--- a/Phase-2.pptx
+++ b/Phase-2.pptx
@@ -5,28 +5,29 @@
     <p:sldMasterId id="2147483648" r:id="rId4"/>
   </p:sldMasterIdLst>
   <p:notesMasterIdLst>
-    <p:notesMasterId r:id="rId24"/>
+    <p:notesMasterId r:id="rId25"/>
   </p:notesMasterIdLst>
   <p:sldIdLst>
     <p:sldId id="279" r:id="rId5"/>
-    <p:sldId id="274" r:id="rId6"/>
-    <p:sldId id="257" r:id="rId7"/>
-    <p:sldId id="262" r:id="rId8"/>
-    <p:sldId id="263" r:id="rId9"/>
-    <p:sldId id="264" r:id="rId10"/>
-    <p:sldId id="265" r:id="rId11"/>
-    <p:sldId id="266" r:id="rId12"/>
-    <p:sldId id="267" r:id="rId13"/>
-    <p:sldId id="268" r:id="rId14"/>
-    <p:sldId id="269" r:id="rId15"/>
-    <p:sldId id="270" r:id="rId16"/>
-    <p:sldId id="272" r:id="rId17"/>
-    <p:sldId id="275" r:id="rId18"/>
-    <p:sldId id="276" r:id="rId19"/>
-    <p:sldId id="277" r:id="rId20"/>
-    <p:sldId id="278" r:id="rId21"/>
-    <p:sldId id="273" r:id="rId22"/>
-    <p:sldId id="261" r:id="rId23"/>
+    <p:sldId id="280" r:id="rId6"/>
+    <p:sldId id="274" r:id="rId7"/>
+    <p:sldId id="257" r:id="rId8"/>
+    <p:sldId id="262" r:id="rId9"/>
+    <p:sldId id="263" r:id="rId10"/>
+    <p:sldId id="264" r:id="rId11"/>
+    <p:sldId id="265" r:id="rId12"/>
+    <p:sldId id="266" r:id="rId13"/>
+    <p:sldId id="267" r:id="rId14"/>
+    <p:sldId id="268" r:id="rId15"/>
+    <p:sldId id="269" r:id="rId16"/>
+    <p:sldId id="270" r:id="rId17"/>
+    <p:sldId id="272" r:id="rId18"/>
+    <p:sldId id="275" r:id="rId19"/>
+    <p:sldId id="276" r:id="rId20"/>
+    <p:sldId id="277" r:id="rId21"/>
+    <p:sldId id="278" r:id="rId22"/>
+    <p:sldId id="273" r:id="rId23"/>
+    <p:sldId id="261" r:id="rId24"/>
   </p:sldIdLst>
   <p:sldSz cx="9144000" cy="5143500" type="screen16x9"/>
   <p:notesSz cx="6858000" cy="9144000"/>
@@ -11072,6 +11073,149 @@
           <p:cNvPr id="2" name="Title 1">
             <a:extLst>
               <a:ext uri="{FF2B5EF4-FFF2-40B4-BE49-F238E27FC236}">
+                <a16:creationId xmlns:a16="http://schemas.microsoft.com/office/drawing/2014/main" id="{4BE4A202-C097-A987-56CA-0BE9775D7DFA}"/>
+              </a:ext>
+            </a:extLst>
+          </p:cNvPr>
+          <p:cNvSpPr>
+            <a:spLocks noGrp="1"/>
+          </p:cNvSpPr>
+          <p:nvPr>
+            <p:ph type="title"/>
+          </p:nvPr>
+        </p:nvSpPr>
+        <p:spPr/>
+        <p:txBody>
+          <a:bodyPr/>
+          <a:lstStyle/>
+          <a:p>
+            <a:r>
+              <a:rPr lang="en-US" sz="2400" dirty="0"/>
+              <a:t>Number of Suicides &amp; Suicide Rate By Generation &amp; Gender</a:t>
+            </a:r>
+          </a:p>
+        </p:txBody>
+      </p:sp>
+      <p:sp>
+        <p:nvSpPr>
+          <p:cNvPr id="3" name="Text Placeholder 2">
+            <a:extLst>
+              <a:ext uri="{FF2B5EF4-FFF2-40B4-BE49-F238E27FC236}">
+                <a16:creationId xmlns:a16="http://schemas.microsoft.com/office/drawing/2014/main" id="{A5CF8EC7-B6A0-EF00-68CD-7BD8AE16B8D1}"/>
+              </a:ext>
+            </a:extLst>
+          </p:cNvPr>
+          <p:cNvSpPr>
+            <a:spLocks noGrp="1"/>
+          </p:cNvSpPr>
+          <p:nvPr>
+            <p:ph type="body" idx="1"/>
+          </p:nvPr>
+        </p:nvSpPr>
+        <p:spPr/>
+        <p:txBody>
+          <a:bodyPr/>
+          <a:lstStyle/>
+          <a:p>
+            <a:endParaRPr lang="en-US" dirty="0"/>
+          </a:p>
+        </p:txBody>
+      </p:sp>
+      <p:pic>
+        <p:nvPicPr>
+          <p:cNvPr id="5" name="Picture 4" descr="A graph of different colored bars&#10;&#10;Description automatically generated with medium confidence">
+            <a:extLst>
+              <a:ext uri="{FF2B5EF4-FFF2-40B4-BE49-F238E27FC236}">
+                <a16:creationId xmlns:a16="http://schemas.microsoft.com/office/drawing/2014/main" id="{3E642121-F540-7299-3728-8F53349DF4E0}"/>
+              </a:ext>
+            </a:extLst>
+          </p:cNvPr>
+          <p:cNvPicPr>
+            <a:picLocks noChangeAspect="1"/>
+          </p:cNvPicPr>
+          <p:nvPr/>
+        </p:nvPicPr>
+        <p:blipFill>
+          <a:blip r:embed="rId2"/>
+          <a:stretch>
+            <a:fillRect/>
+          </a:stretch>
+        </p:blipFill>
+        <p:spPr>
+          <a:xfrm>
+            <a:off x="311700" y="1222450"/>
+            <a:ext cx="4422279" cy="3510560"/>
+          </a:xfrm>
+          <a:prstGeom prst="rect">
+            <a:avLst/>
+          </a:prstGeom>
+        </p:spPr>
+      </p:pic>
+      <p:pic>
+        <p:nvPicPr>
+          <p:cNvPr id="7" name="Picture 6">
+            <a:extLst>
+              <a:ext uri="{FF2B5EF4-FFF2-40B4-BE49-F238E27FC236}">
+                <a16:creationId xmlns:a16="http://schemas.microsoft.com/office/drawing/2014/main" id="{217A5ED5-E408-870A-42F1-54EB82FCCC71}"/>
+              </a:ext>
+            </a:extLst>
+          </p:cNvPr>
+          <p:cNvPicPr>
+            <a:picLocks noChangeAspect="1"/>
+          </p:cNvPicPr>
+          <p:nvPr/>
+        </p:nvPicPr>
+        <p:blipFill>
+          <a:blip r:embed="rId3"/>
+          <a:stretch>
+            <a:fillRect/>
+          </a:stretch>
+        </p:blipFill>
+        <p:spPr>
+          <a:xfrm>
+            <a:off x="4524975" y="1222449"/>
+            <a:ext cx="4307326" cy="3416401"/>
+          </a:xfrm>
+          <a:prstGeom prst="rect">
+            <a:avLst/>
+          </a:prstGeom>
+        </p:spPr>
+      </p:pic>
+    </p:spTree>
+    <p:extLst>
+      <p:ext uri="{BB962C8B-B14F-4D97-AF65-F5344CB8AC3E}">
+        <p14:creationId xmlns:p14="http://schemas.microsoft.com/office/powerpoint/2010/main" val="790527272"/>
+      </p:ext>
+    </p:extLst>
+  </p:cSld>
+  <p:clrMapOvr>
+    <a:masterClrMapping/>
+  </p:clrMapOvr>
+</p:sld>
+</file>
+
+<file path=ppt/slides/slide11.xml><?xml version="1.0" encoding="utf-8"?>
+<p:sld xmlns:a="http://schemas.openxmlformats.org/drawingml/2006/main" xmlns:r="http://schemas.openxmlformats.org/officeDocument/2006/relationships" xmlns:p="http://schemas.openxmlformats.org/presentationml/2006/main">
+  <p:cSld>
+    <p:spTree>
+      <p:nvGrpSpPr>
+        <p:cNvPr id="1" name=""/>
+        <p:cNvGrpSpPr/>
+        <p:nvPr/>
+      </p:nvGrpSpPr>
+      <p:grpSpPr>
+        <a:xfrm>
+          <a:off x="0" y="0"/>
+          <a:ext cx="0" cy="0"/>
+          <a:chOff x="0" y="0"/>
+          <a:chExt cx="0" cy="0"/>
+        </a:xfrm>
+      </p:grpSpPr>
+      <p:sp>
+        <p:nvSpPr>
+          <p:cNvPr id="2" name="Title 1">
+            <a:extLst>
+              <a:ext uri="{FF2B5EF4-FFF2-40B4-BE49-F238E27FC236}">
                 <a16:creationId xmlns:a16="http://schemas.microsoft.com/office/drawing/2014/main" id="{ECA6BA5A-387C-2FBA-B4B0-8EBC8E4B5481}"/>
               </a:ext>
             </a:extLst>
@@ -11163,7 +11307,7 @@
 </p:sld>
 </file>
 
-<file path=ppt/slides/slide11.xml><?xml version="1.0" encoding="utf-8"?>
+<file path=ppt/slides/slide12.xml><?xml version="1.0" encoding="utf-8"?>
 <p:sld xmlns:a="http://schemas.openxmlformats.org/drawingml/2006/main" xmlns:r="http://schemas.openxmlformats.org/officeDocument/2006/relationships" xmlns:p="http://schemas.openxmlformats.org/presentationml/2006/main">
   <p:cSld>
     <p:spTree>
@@ -11276,7 +11420,7 @@
 </p:sld>
 </file>
 
-<file path=ppt/slides/slide12.xml><?xml version="1.0" encoding="utf-8"?>
+<file path=ppt/slides/slide13.xml><?xml version="1.0" encoding="utf-8"?>
 <p:sld xmlns:a="http://schemas.openxmlformats.org/drawingml/2006/main" xmlns:r="http://schemas.openxmlformats.org/officeDocument/2006/relationships" xmlns:p="http://schemas.openxmlformats.org/presentationml/2006/main">
   <p:cSld>
     <p:bg>
@@ -11461,7 +11605,7 @@
 </p:sld>
 </file>
 
-<file path=ppt/slides/slide13.xml><?xml version="1.0" encoding="utf-8"?>
+<file path=ppt/slides/slide14.xml><?xml version="1.0" encoding="utf-8"?>
 <p:sld xmlns:a="http://schemas.openxmlformats.org/drawingml/2006/main" xmlns:r="http://schemas.openxmlformats.org/officeDocument/2006/relationships" xmlns:p="http://schemas.openxmlformats.org/presentationml/2006/main">
   <p:cSld>
     <p:spTree>
@@ -11648,7 +11792,7 @@
 </p:sld>
 </file>
 
-<file path=ppt/slides/slide14.xml><?xml version="1.0" encoding="utf-8"?>
+<file path=ppt/slides/slide15.xml><?xml version="1.0" encoding="utf-8"?>
 <p:sld xmlns:a="http://schemas.openxmlformats.org/drawingml/2006/main" xmlns:r="http://schemas.openxmlformats.org/officeDocument/2006/relationships" xmlns:p="http://schemas.openxmlformats.org/presentationml/2006/main">
   <p:cSld>
     <p:bg>
@@ -11829,7 +11973,7 @@
 </p:sld>
 </file>
 
-<file path=ppt/slides/slide15.xml><?xml version="1.0" encoding="utf-8"?>
+<file path=ppt/slides/slide16.xml><?xml version="1.0" encoding="utf-8"?>
 <p:sld xmlns:a="http://schemas.openxmlformats.org/drawingml/2006/main" xmlns:r="http://schemas.openxmlformats.org/officeDocument/2006/relationships" xmlns:p="http://schemas.openxmlformats.org/presentationml/2006/main">
   <p:cSld>
     <p:bg>
@@ -12010,7 +12154,7 @@
 </p:sld>
 </file>
 
-<file path=ppt/slides/slide16.xml><?xml version="1.0" encoding="utf-8"?>
+<file path=ppt/slides/slide17.xml><?xml version="1.0" encoding="utf-8"?>
 <p:sld xmlns:a="http://schemas.openxmlformats.org/drawingml/2006/main" xmlns:r="http://schemas.openxmlformats.org/officeDocument/2006/relationships" xmlns:p="http://schemas.openxmlformats.org/presentationml/2006/main">
   <p:cSld>
     <p:bg>
@@ -12191,7 +12335,7 @@
 </p:sld>
 </file>
 
-<file path=ppt/slides/slide17.xml><?xml version="1.0" encoding="utf-8"?>
+<file path=ppt/slides/slide18.xml><?xml version="1.0" encoding="utf-8"?>
 <p:sld xmlns:a="http://schemas.openxmlformats.org/drawingml/2006/main" xmlns:r="http://schemas.openxmlformats.org/officeDocument/2006/relationships" xmlns:p="http://schemas.openxmlformats.org/presentationml/2006/main">
   <p:cSld>
     <p:bg>
@@ -12372,7 +12516,7 @@
 </p:sld>
 </file>
 
-<file path=ppt/slides/slide18.xml><?xml version="1.0" encoding="utf-8"?>
+<file path=ppt/slides/slide19.xml><?xml version="1.0" encoding="utf-8"?>
 <p:sld xmlns:a="http://schemas.openxmlformats.org/drawingml/2006/main" xmlns:r="http://schemas.openxmlformats.org/officeDocument/2006/relationships" xmlns:p="http://schemas.openxmlformats.org/presentationml/2006/main">
   <p:cSld>
     <p:bg>
@@ -12791,7 +12935,290 @@
 </p:sld>
 </file>
 
-<file path=ppt/slides/slide19.xml><?xml version="1.0" encoding="utf-8"?>
+<file path=ppt/slides/slide2.xml><?xml version="1.0" encoding="utf-8"?>
+<p:sld xmlns:a="http://schemas.openxmlformats.org/drawingml/2006/main" xmlns:r="http://schemas.openxmlformats.org/officeDocument/2006/relationships" xmlns:p="http://schemas.openxmlformats.org/presentationml/2006/main">
+  <p:cSld>
+    <p:spTree>
+      <p:nvGrpSpPr>
+        <p:cNvPr id="1" name=""/>
+        <p:cNvGrpSpPr/>
+        <p:nvPr/>
+      </p:nvGrpSpPr>
+      <p:grpSpPr>
+        <a:xfrm>
+          <a:off x="0" y="0"/>
+          <a:ext cx="0" cy="0"/>
+          <a:chOff x="0" y="0"/>
+          <a:chExt cx="0" cy="0"/>
+        </a:xfrm>
+      </p:grpSpPr>
+      <p:sp>
+        <p:nvSpPr>
+          <p:cNvPr id="2" name="Title 1">
+            <a:extLst>
+              <a:ext uri="{FF2B5EF4-FFF2-40B4-BE49-F238E27FC236}">
+                <a16:creationId xmlns:a16="http://schemas.microsoft.com/office/drawing/2014/main" id="{53658446-C633-FAC4-0581-5652F2072E9A}"/>
+              </a:ext>
+            </a:extLst>
+          </p:cNvPr>
+          <p:cNvSpPr>
+            <a:spLocks noGrp="1"/>
+          </p:cNvSpPr>
+          <p:nvPr>
+            <p:ph type="title"/>
+          </p:nvPr>
+        </p:nvSpPr>
+        <p:spPr/>
+        <p:txBody>
+          <a:bodyPr/>
+          <a:lstStyle/>
+          <a:p>
+            <a:r>
+              <a:rPr lang="en-US" dirty="0"/>
+              <a:t>Dataset Description</a:t>
+            </a:r>
+          </a:p>
+        </p:txBody>
+      </p:sp>
+      <p:sp>
+        <p:nvSpPr>
+          <p:cNvPr id="3" name="Text Placeholder 2">
+            <a:extLst>
+              <a:ext uri="{FF2B5EF4-FFF2-40B4-BE49-F238E27FC236}">
+                <a16:creationId xmlns:a16="http://schemas.microsoft.com/office/drawing/2014/main" id="{F2BC1200-A8E1-5917-0E81-2ABF511DF399}"/>
+              </a:ext>
+            </a:extLst>
+          </p:cNvPr>
+          <p:cNvSpPr>
+            <a:spLocks noGrp="1"/>
+          </p:cNvSpPr>
+          <p:nvPr>
+            <p:ph type="body" idx="1"/>
+          </p:nvPr>
+        </p:nvSpPr>
+        <p:spPr/>
+        <p:txBody>
+          <a:bodyPr/>
+          <a:lstStyle/>
+          <a:p>
+            <a:pPr algn="l">
+              <a:buFont typeface="+mj-lt"/>
+              <a:buAutoNum type="arabicPeriod"/>
+            </a:pPr>
+            <a:r>
+              <a:rPr lang="en-US" b="0" i="0" dirty="0">
+                <a:solidFill>
+                  <a:srgbClr val="1F2328"/>
+                </a:solidFill>
+                <a:effectLst/>
+                <a:latin typeface="-apple-system"/>
+              </a:rPr>
+              <a:t>Data Source: </a:t>
+            </a:r>
+            <a:r>
+              <a:rPr lang="en-US" b="1" i="0" u="sng" dirty="0">
+                <a:solidFill>
+                  <a:srgbClr val="1F2328"/>
+                </a:solidFill>
+                <a:effectLst/>
+                <a:latin typeface="-apple-system"/>
+                <a:hlinkClick r:id="rId2"/>
+              </a:rPr>
+              <a:t>https://www.kaggle.com/datasets/russellyates88/suicide-rates-overview-1985-to-2016</a:t>
+            </a:r>
+            <a:endParaRPr lang="en-US" b="0" i="0" dirty="0">
+              <a:solidFill>
+                <a:srgbClr val="1F2328"/>
+              </a:solidFill>
+              <a:effectLst/>
+              <a:latin typeface="-apple-system"/>
+            </a:endParaRPr>
+          </a:p>
+          <a:p>
+            <a:pPr algn="l">
+              <a:buFont typeface="+mj-lt"/>
+              <a:buAutoNum type="arabicPeriod"/>
+            </a:pPr>
+            <a:r>
+              <a:rPr lang="en-US" b="0" i="0" dirty="0">
+                <a:solidFill>
+                  <a:srgbClr val="1F2328"/>
+                </a:solidFill>
+                <a:effectLst/>
+                <a:latin typeface="-apple-system"/>
+              </a:rPr>
+              <a:t>Data Size : </a:t>
+            </a:r>
+            <a:r>
+              <a:rPr lang="en-US" b="1" i="0" dirty="0">
+                <a:solidFill>
+                  <a:srgbClr val="1F2328"/>
+                </a:solidFill>
+                <a:effectLst/>
+                <a:latin typeface="-apple-system"/>
+              </a:rPr>
+              <a:t>3MB</a:t>
+            </a:r>
+            <a:endParaRPr lang="en-US" b="0" i="0" dirty="0">
+              <a:solidFill>
+                <a:srgbClr val="1F2328"/>
+              </a:solidFill>
+              <a:effectLst/>
+              <a:latin typeface="-apple-system"/>
+            </a:endParaRPr>
+          </a:p>
+          <a:p>
+            <a:pPr algn="l">
+              <a:buFont typeface="+mj-lt"/>
+              <a:buAutoNum type="arabicPeriod"/>
+            </a:pPr>
+            <a:r>
+              <a:rPr lang="en-US" b="0" i="0" dirty="0">
+                <a:solidFill>
+                  <a:srgbClr val="1F2328"/>
+                </a:solidFill>
+                <a:effectLst/>
+                <a:latin typeface="-apple-system"/>
+              </a:rPr>
+              <a:t>Data Shape : </a:t>
+            </a:r>
+            <a:r>
+              <a:rPr lang="en-US" b="1" i="0" dirty="0">
+                <a:solidFill>
+                  <a:srgbClr val="1F2328"/>
+                </a:solidFill>
+                <a:effectLst/>
+                <a:latin typeface="-apple-system"/>
+              </a:rPr>
+              <a:t>30000 Rows and 12 Columns</a:t>
+            </a:r>
+            <a:endParaRPr lang="en-US" b="0" i="0" dirty="0">
+              <a:solidFill>
+                <a:srgbClr val="1F2328"/>
+              </a:solidFill>
+              <a:effectLst/>
+              <a:latin typeface="-apple-system"/>
+            </a:endParaRPr>
+          </a:p>
+          <a:p>
+            <a:pPr algn="l">
+              <a:buFont typeface="+mj-lt"/>
+              <a:buAutoNum type="arabicPeriod"/>
+            </a:pPr>
+            <a:r>
+              <a:rPr lang="en-US" b="0" i="0" dirty="0">
+                <a:solidFill>
+                  <a:srgbClr val="1F2328"/>
+                </a:solidFill>
+                <a:effectLst/>
+                <a:latin typeface="-apple-system"/>
+              </a:rPr>
+              <a:t>Time Period: </a:t>
+            </a:r>
+            <a:r>
+              <a:rPr lang="en-US" b="1" i="0" dirty="0">
+                <a:solidFill>
+                  <a:srgbClr val="1F2328"/>
+                </a:solidFill>
+                <a:effectLst/>
+                <a:latin typeface="-apple-system"/>
+              </a:rPr>
+              <a:t>1985 to 2016</a:t>
+            </a:r>
+            <a:endParaRPr lang="en-US" b="0" i="0" dirty="0">
+              <a:solidFill>
+                <a:srgbClr val="1F2328"/>
+              </a:solidFill>
+              <a:effectLst/>
+              <a:latin typeface="-apple-system"/>
+            </a:endParaRPr>
+          </a:p>
+          <a:p>
+            <a:endParaRPr lang="en-US" dirty="0"/>
+          </a:p>
+        </p:txBody>
+      </p:sp>
+      <p:sp>
+        <p:nvSpPr>
+          <p:cNvPr id="4" name="Text Placeholder 3">
+            <a:extLst>
+              <a:ext uri="{FF2B5EF4-FFF2-40B4-BE49-F238E27FC236}">
+                <a16:creationId xmlns:a16="http://schemas.microsoft.com/office/drawing/2014/main" id="{0DD0A7C4-BBB9-B056-8825-D877CC72C2C2}"/>
+              </a:ext>
+            </a:extLst>
+          </p:cNvPr>
+          <p:cNvSpPr>
+            <a:spLocks noGrp="1"/>
+          </p:cNvSpPr>
+          <p:nvPr>
+            <p:ph type="body" idx="2"/>
+          </p:nvPr>
+        </p:nvSpPr>
+        <p:spPr/>
+        <p:txBody>
+          <a:bodyPr/>
+          <a:lstStyle/>
+          <a:p>
+            <a:r>
+              <a:rPr lang="en-US" b="0" i="0" dirty="0">
+                <a:solidFill>
+                  <a:srgbClr val="1F2328"/>
+                </a:solidFill>
+                <a:effectLst/>
+                <a:latin typeface="-apple-system"/>
+              </a:rPr>
+              <a:t>Dataset Columns</a:t>
+            </a:r>
+          </a:p>
+          <a:p>
+            <a:endParaRPr lang="en-US" dirty="0"/>
+          </a:p>
+        </p:txBody>
+      </p:sp>
+      <p:pic>
+        <p:nvPicPr>
+          <p:cNvPr id="6" name="Picture 5" descr="A screenshot of a computer&#10;&#10;Description automatically generated">
+            <a:extLst>
+              <a:ext uri="{FF2B5EF4-FFF2-40B4-BE49-F238E27FC236}">
+                <a16:creationId xmlns:a16="http://schemas.microsoft.com/office/drawing/2014/main" id="{1E76CBD1-A9BB-F723-3EF7-585F1B5FE8BF}"/>
+              </a:ext>
+            </a:extLst>
+          </p:cNvPr>
+          <p:cNvPicPr>
+            <a:picLocks noChangeAspect="1"/>
+          </p:cNvPicPr>
+          <p:nvPr/>
+        </p:nvPicPr>
+        <p:blipFill>
+          <a:blip r:embed="rId3"/>
+          <a:stretch>
+            <a:fillRect/>
+          </a:stretch>
+        </p:blipFill>
+        <p:spPr>
+          <a:xfrm>
+            <a:off x="4958869" y="1650049"/>
+            <a:ext cx="3746962" cy="2843701"/>
+          </a:xfrm>
+          <a:prstGeom prst="rect">
+            <a:avLst/>
+          </a:prstGeom>
+        </p:spPr>
+      </p:pic>
+    </p:spTree>
+    <p:extLst>
+      <p:ext uri="{BB962C8B-B14F-4D97-AF65-F5344CB8AC3E}">
+        <p14:creationId xmlns:p14="http://schemas.microsoft.com/office/powerpoint/2010/main" val="3549021327"/>
+      </p:ext>
+    </p:extLst>
+  </p:cSld>
+  <p:clrMapOvr>
+    <a:masterClrMapping/>
+  </p:clrMapOvr>
+</p:sld>
+</file>
+
+<file path=ppt/slides/slide20.xml><?xml version="1.0" encoding="utf-8"?>
 <p:sld xmlns:a="http://schemas.openxmlformats.org/drawingml/2006/main" xmlns:r="http://schemas.openxmlformats.org/officeDocument/2006/relationships" xmlns:p="http://schemas.openxmlformats.org/presentationml/2006/main">
   <p:cSld>
     <p:spTree>
@@ -12843,7 +13270,7 @@
 </p:sld>
 </file>
 
-<file path=ppt/slides/slide2.xml><?xml version="1.0" encoding="utf-8"?>
+<file path=ppt/slides/slide3.xml><?xml version="1.0" encoding="utf-8"?>
 <p:sld xmlns:a="http://schemas.openxmlformats.org/drawingml/2006/main" xmlns:r="http://schemas.openxmlformats.org/officeDocument/2006/relationships" xmlns:p="http://schemas.openxmlformats.org/presentationml/2006/main">
   <p:cSld>
     <p:spTree>
@@ -12883,7 +13310,7 @@
           <a:p>
             <a:r>
               <a:rPr lang="en-US" dirty="0"/>
-              <a:t>Sum of Population Over Years</a:t>
+              <a:t>Population Over Years</a:t>
             </a:r>
           </a:p>
         </p:txBody>
@@ -12959,7 +13386,7 @@
 </p:sld>
 </file>
 
-<file path=ppt/slides/slide3.xml><?xml version="1.0" encoding="utf-8"?>
+<file path=ppt/slides/slide4.xml><?xml version="1.0" encoding="utf-8"?>
 <p:sld xmlns:a="http://schemas.openxmlformats.org/drawingml/2006/main" xmlns:r="http://schemas.openxmlformats.org/officeDocument/2006/relationships" xmlns:p="http://schemas.openxmlformats.org/presentationml/2006/main">
   <p:cSld>
     <p:spTree>
@@ -13085,7 +13512,7 @@
 </p:sld>
 </file>
 
-<file path=ppt/slides/slide4.xml><?xml version="1.0" encoding="utf-8"?>
+<file path=ppt/slides/slide5.xml><?xml version="1.0" encoding="utf-8"?>
 <p:sld xmlns:a="http://schemas.openxmlformats.org/drawingml/2006/main" xmlns:r="http://schemas.openxmlformats.org/officeDocument/2006/relationships" xmlns:p="http://schemas.openxmlformats.org/presentationml/2006/main">
   <p:cSld>
     <p:spTree>
@@ -13228,7 +13655,7 @@
 </p:sld>
 </file>
 
-<file path=ppt/slides/slide5.xml><?xml version="1.0" encoding="utf-8"?>
+<file path=ppt/slides/slide6.xml><?xml version="1.0" encoding="utf-8"?>
 <p:sld xmlns:a="http://schemas.openxmlformats.org/drawingml/2006/main" xmlns:r="http://schemas.openxmlformats.org/officeDocument/2006/relationships" xmlns:p="http://schemas.openxmlformats.org/presentationml/2006/main">
   <p:cSld>
     <p:spTree>
@@ -13371,7 +13798,7 @@
 </p:sld>
 </file>
 
-<file path=ppt/slides/slide6.xml><?xml version="1.0" encoding="utf-8"?>
+<file path=ppt/slides/slide7.xml><?xml version="1.0" encoding="utf-8"?>
 <p:sld xmlns:a="http://schemas.openxmlformats.org/drawingml/2006/main" xmlns:r="http://schemas.openxmlformats.org/officeDocument/2006/relationships" xmlns:p="http://schemas.openxmlformats.org/presentationml/2006/main">
   <p:cSld>
     <p:spTree>
@@ -13514,7 +13941,7 @@
 </p:sld>
 </file>
 
-<file path=ppt/slides/slide7.xml><?xml version="1.0" encoding="utf-8"?>
+<file path=ppt/slides/slide8.xml><?xml version="1.0" encoding="utf-8"?>
 <p:sld xmlns:a="http://schemas.openxmlformats.org/drawingml/2006/main" xmlns:r="http://schemas.openxmlformats.org/officeDocument/2006/relationships" xmlns:p="http://schemas.openxmlformats.org/presentationml/2006/main">
   <p:cSld>
     <p:spTree>
@@ -13657,7 +14084,7 @@
 </p:sld>
 </file>
 
-<file path=ppt/slides/slide8.xml><?xml version="1.0" encoding="utf-8"?>
+<file path=ppt/slides/slide9.xml><?xml version="1.0" encoding="utf-8"?>
 <p:sld xmlns:a="http://schemas.openxmlformats.org/drawingml/2006/main" xmlns:r="http://schemas.openxmlformats.org/officeDocument/2006/relationships" xmlns:p="http://schemas.openxmlformats.org/presentationml/2006/main">
   <p:cSld>
     <p:spTree>
@@ -13791,149 +14218,6 @@
     <p:extLst>
       <p:ext uri="{BB962C8B-B14F-4D97-AF65-F5344CB8AC3E}">
         <p14:creationId xmlns:p14="http://schemas.microsoft.com/office/powerpoint/2010/main" val="3869935440"/>
-      </p:ext>
-    </p:extLst>
-  </p:cSld>
-  <p:clrMapOvr>
-    <a:masterClrMapping/>
-  </p:clrMapOvr>
-</p:sld>
-</file>
-
-<file path=ppt/slides/slide9.xml><?xml version="1.0" encoding="utf-8"?>
-<p:sld xmlns:a="http://schemas.openxmlformats.org/drawingml/2006/main" xmlns:r="http://schemas.openxmlformats.org/officeDocument/2006/relationships" xmlns:p="http://schemas.openxmlformats.org/presentationml/2006/main">
-  <p:cSld>
-    <p:spTree>
-      <p:nvGrpSpPr>
-        <p:cNvPr id="1" name=""/>
-        <p:cNvGrpSpPr/>
-        <p:nvPr/>
-      </p:nvGrpSpPr>
-      <p:grpSpPr>
-        <a:xfrm>
-          <a:off x="0" y="0"/>
-          <a:ext cx="0" cy="0"/>
-          <a:chOff x="0" y="0"/>
-          <a:chExt cx="0" cy="0"/>
-        </a:xfrm>
-      </p:grpSpPr>
-      <p:sp>
-        <p:nvSpPr>
-          <p:cNvPr id="2" name="Title 1">
-            <a:extLst>
-              <a:ext uri="{FF2B5EF4-FFF2-40B4-BE49-F238E27FC236}">
-                <a16:creationId xmlns:a16="http://schemas.microsoft.com/office/drawing/2014/main" id="{4BE4A202-C097-A987-56CA-0BE9775D7DFA}"/>
-              </a:ext>
-            </a:extLst>
-          </p:cNvPr>
-          <p:cNvSpPr>
-            <a:spLocks noGrp="1"/>
-          </p:cNvSpPr>
-          <p:nvPr>
-            <p:ph type="title"/>
-          </p:nvPr>
-        </p:nvSpPr>
-        <p:spPr/>
-        <p:txBody>
-          <a:bodyPr/>
-          <a:lstStyle/>
-          <a:p>
-            <a:r>
-              <a:rPr lang="en-US" sz="2400" dirty="0"/>
-              <a:t>Number of Suicides &amp; Suicide Rate By Generation &amp; Gender</a:t>
-            </a:r>
-          </a:p>
-        </p:txBody>
-      </p:sp>
-      <p:sp>
-        <p:nvSpPr>
-          <p:cNvPr id="3" name="Text Placeholder 2">
-            <a:extLst>
-              <a:ext uri="{FF2B5EF4-FFF2-40B4-BE49-F238E27FC236}">
-                <a16:creationId xmlns:a16="http://schemas.microsoft.com/office/drawing/2014/main" id="{A5CF8EC7-B6A0-EF00-68CD-7BD8AE16B8D1}"/>
-              </a:ext>
-            </a:extLst>
-          </p:cNvPr>
-          <p:cNvSpPr>
-            <a:spLocks noGrp="1"/>
-          </p:cNvSpPr>
-          <p:nvPr>
-            <p:ph type="body" idx="1"/>
-          </p:nvPr>
-        </p:nvSpPr>
-        <p:spPr/>
-        <p:txBody>
-          <a:bodyPr/>
-          <a:lstStyle/>
-          <a:p>
-            <a:endParaRPr lang="en-US" dirty="0"/>
-          </a:p>
-        </p:txBody>
-      </p:sp>
-      <p:pic>
-        <p:nvPicPr>
-          <p:cNvPr id="5" name="Picture 4" descr="A graph of different colored bars&#10;&#10;Description automatically generated with medium confidence">
-            <a:extLst>
-              <a:ext uri="{FF2B5EF4-FFF2-40B4-BE49-F238E27FC236}">
-                <a16:creationId xmlns:a16="http://schemas.microsoft.com/office/drawing/2014/main" id="{3E642121-F540-7299-3728-8F53349DF4E0}"/>
-              </a:ext>
-            </a:extLst>
-          </p:cNvPr>
-          <p:cNvPicPr>
-            <a:picLocks noChangeAspect="1"/>
-          </p:cNvPicPr>
-          <p:nvPr/>
-        </p:nvPicPr>
-        <p:blipFill>
-          <a:blip r:embed="rId2"/>
-          <a:stretch>
-            <a:fillRect/>
-          </a:stretch>
-        </p:blipFill>
-        <p:spPr>
-          <a:xfrm>
-            <a:off x="311700" y="1222450"/>
-            <a:ext cx="4422279" cy="3510560"/>
-          </a:xfrm>
-          <a:prstGeom prst="rect">
-            <a:avLst/>
-          </a:prstGeom>
-        </p:spPr>
-      </p:pic>
-      <p:pic>
-        <p:nvPicPr>
-          <p:cNvPr id="7" name="Picture 6">
-            <a:extLst>
-              <a:ext uri="{FF2B5EF4-FFF2-40B4-BE49-F238E27FC236}">
-                <a16:creationId xmlns:a16="http://schemas.microsoft.com/office/drawing/2014/main" id="{217A5ED5-E408-870A-42F1-54EB82FCCC71}"/>
-              </a:ext>
-            </a:extLst>
-          </p:cNvPr>
-          <p:cNvPicPr>
-            <a:picLocks noChangeAspect="1"/>
-          </p:cNvPicPr>
-          <p:nvPr/>
-        </p:nvPicPr>
-        <p:blipFill>
-          <a:blip r:embed="rId3"/>
-          <a:stretch>
-            <a:fillRect/>
-          </a:stretch>
-        </p:blipFill>
-        <p:spPr>
-          <a:xfrm>
-            <a:off x="4524975" y="1222449"/>
-            <a:ext cx="4307326" cy="3416401"/>
-          </a:xfrm>
-          <a:prstGeom prst="rect">
-            <a:avLst/>
-          </a:prstGeom>
-        </p:spPr>
-      </p:pic>
-    </p:spTree>
-    <p:extLst>
-      <p:ext uri="{BB962C8B-B14F-4D97-AF65-F5344CB8AC3E}">
-        <p14:creationId xmlns:p14="http://schemas.microsoft.com/office/powerpoint/2010/main" val="790527272"/>
       </p:ext>
     </p:extLst>
   </p:cSld>
@@ -14516,15 +14800,6 @@
 </file>
 
 <file path=customXml/item1.xml><?xml version="1.0" encoding="utf-8"?>
-<?mso-contentType ?>
-<FormTemplates xmlns="http://schemas.microsoft.com/sharepoint/v3/contenttype/forms">
-  <Display>DocumentLibraryForm</Display>
-  <Edit>DocumentLibraryForm</Edit>
-  <New>DocumentLibraryForm</New>
-</FormTemplates>
-</file>
-
-<file path=customXml/item2.xml><?xml version="1.0" encoding="utf-8"?>
 <ct:contentTypeSchema xmlns:ct="http://schemas.microsoft.com/office/2006/metadata/contentType" xmlns:ma="http://schemas.microsoft.com/office/2006/metadata/properties/metaAttributes" ct:_="" ma:_="" ma:contentTypeName="Document" ma:contentTypeID="0x01010066ED8954222B1C429A59F0EC15EF7AA8" ma:contentTypeVersion="2" ma:contentTypeDescription="Create a new document." ma:contentTypeScope="" ma:versionID="0c04c478d00626cb60d5207571fc9a62">
   <xsd:schema xmlns:xsd="http://www.w3.org/2001/XMLSchema" xmlns:xs="http://www.w3.org/2001/XMLSchema" xmlns:p="http://schemas.microsoft.com/office/2006/metadata/properties" xmlns:ns2="3d49952c-a256-405f-b031-e3a3291e2b23" targetNamespace="http://schemas.microsoft.com/office/2006/metadata/properties" ma:root="true" ma:fieldsID="da85d3e70fb42f120a5f8157befa9dfc" ns2:_="">
     <xsd:import namespace="3d49952c-a256-405f-b031-e3a3291e2b23"/>
@@ -14656,6 +14931,15 @@
 </ct:contentTypeSchema>
 </file>
 
+<file path=customXml/item2.xml><?xml version="1.0" encoding="utf-8"?>
+<?mso-contentType ?>
+<FormTemplates xmlns="http://schemas.microsoft.com/sharepoint/v3/contenttype/forms">
+  <Display>DocumentLibraryForm</Display>
+  <Edit>DocumentLibraryForm</Edit>
+  <New>DocumentLibraryForm</New>
+</FormTemplates>
+</file>
+
 <file path=customXml/item3.xml><?xml version="1.0" encoding="utf-8"?>
 <p:properties xmlns:p="http://schemas.microsoft.com/office/2006/metadata/properties" xmlns:xsi="http://www.w3.org/2001/XMLSchema-instance" xmlns:pc="http://schemas.microsoft.com/office/infopath/2007/PartnerControls">
   <documentManagement/>
@@ -14663,13 +14947,13 @@
 </file>
 
 <file path=customXml/itemProps1.xml><?xml version="1.0" encoding="utf-8"?>
-<ds:datastoreItem xmlns:ds="http://schemas.openxmlformats.org/officeDocument/2006/customXml" ds:itemID="{0E2477F5-ACFC-4ED1-ACC1-C27FFFF64374}">
+<ds:datastoreItem xmlns:ds="http://schemas.openxmlformats.org/officeDocument/2006/customXml" ds:itemID="{21041599-BA9E-401A-A3A4-229E012A7160}">
   <ds:schemaRefs/>
 </ds:datastoreItem>
 </file>
 
 <file path=customXml/itemProps2.xml><?xml version="1.0" encoding="utf-8"?>
-<ds:datastoreItem xmlns:ds="http://schemas.openxmlformats.org/officeDocument/2006/customXml" ds:itemID="{21041599-BA9E-401A-A3A4-229E012A7160}">
+<ds:datastoreItem xmlns:ds="http://schemas.openxmlformats.org/officeDocument/2006/customXml" ds:itemID="{0E2477F5-ACFC-4ED1-ACC1-C27FFFF64374}">
   <ds:schemaRefs/>
 </ds:datastoreItem>
 </file>
